--- a/Ideias/Apresentação1.pptx
+++ b/Ideias/Apresentação1.pptx
@@ -107,6 +107,22 @@
       </a:defRPr>
     </a:lvl9pPr>
   </p:defaultTextStyle>
+  <p:extLst>
+    <p:ext uri="{EFAFB233-063F-42B5-8137-9DF3F51BA10A}">
+      <p15:sldGuideLst xmlns:p15="http://schemas.microsoft.com/office/powerpoint/2012/main">
+        <p15:guide id="1" orient="horz" pos="2160">
+          <p15:clr>
+            <a:srgbClr val="A4A3A4"/>
+          </p15:clr>
+        </p15:guide>
+        <p15:guide id="2" pos="2880">
+          <p15:clr>
+            <a:srgbClr val="A4A3A4"/>
+          </p15:clr>
+        </p15:guide>
+      </p15:sldGuideLst>
+    </p:ext>
+  </p:extLst>
 </p:presentation>
 </file>
 
@@ -3794,8 +3810,38 @@
         </p:blipFill>
         <p:spPr>
           <a:xfrm>
-            <a:off x="0" y="1340768"/>
+            <a:off x="-47824" y="1412776"/>
             <a:ext cx="9157896" cy="3522268"/>
+          </a:xfrm>
+          <a:prstGeom prst="rect">
+            <a:avLst/>
+          </a:prstGeom>
+        </p:spPr>
+      </p:pic>
+      <p:pic>
+        <p:nvPicPr>
+          <p:cNvPr id="3" name="Imagem 2"/>
+          <p:cNvPicPr>
+            <a:picLocks noChangeAspect="1"/>
+          </p:cNvPicPr>
+          <p:nvPr/>
+        </p:nvPicPr>
+        <p:blipFill>
+          <a:blip r:embed="rId6" cstate="print">
+            <a:extLst>
+              <a:ext uri="{28A0092B-C50C-407E-A947-70E740481C1C}">
+                <a14:useLocalDpi xmlns:a14="http://schemas.microsoft.com/office/drawing/2010/main" val="0"/>
+              </a:ext>
+            </a:extLst>
+          </a:blip>
+          <a:stretch>
+            <a:fillRect/>
+          </a:stretch>
+        </p:blipFill>
+        <p:spPr>
+          <a:xfrm>
+            <a:off x="-19886" y="1503398"/>
+            <a:ext cx="9202088" cy="3539265"/>
           </a:xfrm>
           <a:prstGeom prst="rect">
             <a:avLst/>
